--- a/Group7_Final_Presentation.pptx
+++ b/Group7_Final_Presentation.pptx
@@ -11693,16 +11693,15 @@
           <p:cNvPicPr/>
           <p:nvPr/>
         </p:nvPicPr>
-        <p:blipFill>
+        <p:blipFill rotWithShape="1">
           <a:blip r:embed="rId3"/>
-          <a:stretch>
-            <a:fillRect/>
-          </a:stretch>
+          <a:srcRect b="49399"/>
+          <a:stretch/>
         </p:blipFill>
         <p:spPr>
           <a:xfrm>
             <a:off x="6730433" y="3084605"/>
-            <a:ext cx="4921636" cy="1803601"/>
+            <a:ext cx="4921636" cy="912629"/>
           </a:xfrm>
           <a:prstGeom prst="rect">
             <a:avLst/>
@@ -11824,8 +11823,65 @@
         </p:blipFill>
         <p:spPr>
           <a:xfrm>
-            <a:off x="1045345" y="2622142"/>
+            <a:off x="1045345" y="3588923"/>
             <a:ext cx="4780689" cy="3090681"/>
+          </a:xfrm>
+          <a:prstGeom prst="rect">
+            <a:avLst/>
+          </a:prstGeom>
+        </p:spPr>
+      </p:pic>
+      <p:pic>
+        <p:nvPicPr>
+          <p:cNvPr id="5" name="圖片 4">
+            <a:extLst>
+              <a:ext uri="{FF2B5EF4-FFF2-40B4-BE49-F238E27FC236}">
+                <a16:creationId xmlns:a16="http://schemas.microsoft.com/office/drawing/2014/main" id="{69A8F8B5-A812-4CB5-ABAB-383CE7DABF5A}"/>
+              </a:ext>
+            </a:extLst>
+          </p:cNvPr>
+          <p:cNvPicPr>
+            <a:picLocks noChangeAspect="1"/>
+          </p:cNvPicPr>
+          <p:nvPr/>
+        </p:nvPicPr>
+        <p:blipFill>
+          <a:blip r:embed="rId3"/>
+          <a:stretch>
+            <a:fillRect/>
+          </a:stretch>
+        </p:blipFill>
+        <p:spPr>
+          <a:xfrm>
+            <a:off x="6365968" y="2474376"/>
+            <a:ext cx="2698889" cy="425472"/>
+          </a:xfrm>
+          <a:prstGeom prst="rect">
+            <a:avLst/>
+          </a:prstGeom>
+        </p:spPr>
+      </p:pic>
+      <p:pic>
+        <p:nvPicPr>
+          <p:cNvPr id="6" name="圖片 5">
+            <a:extLst>
+              <a:ext uri="{FF2B5EF4-FFF2-40B4-BE49-F238E27FC236}">
+                <a16:creationId xmlns:a16="http://schemas.microsoft.com/office/drawing/2014/main" id="{3C41B72D-B722-40A8-BBAC-D31C7A599BD2}"/>
+              </a:ext>
+            </a:extLst>
+          </p:cNvPr>
+          <p:cNvPicPr/>
+          <p:nvPr/>
+        </p:nvPicPr>
+        <p:blipFill rotWithShape="1">
+          <a:blip r:embed="rId4"/>
+          <a:srcRect t="48116" b="-1350"/>
+          <a:stretch/>
+        </p:blipFill>
+        <p:spPr>
+          <a:xfrm>
+            <a:off x="974871" y="2513709"/>
+            <a:ext cx="4921636" cy="960120"/>
           </a:xfrm>
           <a:prstGeom prst="rect">
             <a:avLst/>
@@ -13103,6 +13159,34 @@
           </a:prstGeom>
         </p:spPr>
       </p:pic>
+      <p:pic>
+        <p:nvPicPr>
+          <p:cNvPr id="6" name="圖片 5">
+            <a:extLst>
+              <a:ext uri="{FF2B5EF4-FFF2-40B4-BE49-F238E27FC236}">
+                <a16:creationId xmlns:a16="http://schemas.microsoft.com/office/drawing/2014/main" id="{DB0CC317-2FEA-42D3-874D-E48599D1CE77}"/>
+              </a:ext>
+            </a:extLst>
+          </p:cNvPr>
+          <p:cNvPicPr/>
+          <p:nvPr/>
+        </p:nvPicPr>
+        <p:blipFill>
+          <a:blip r:embed="rId4"/>
+          <a:stretch>
+            <a:fillRect/>
+          </a:stretch>
+        </p:blipFill>
+        <p:spPr>
+          <a:xfrm>
+            <a:off x="6240356" y="1629729"/>
+            <a:ext cx="5274310" cy="1061720"/>
+          </a:xfrm>
+          <a:prstGeom prst="rect">
+            <a:avLst/>
+          </a:prstGeom>
+        </p:spPr>
+      </p:pic>
     </p:spTree>
     <p:extLst>
       <p:ext uri="{BB962C8B-B14F-4D97-AF65-F5344CB8AC3E}">
@@ -13269,6 +13353,34 @@
           </a:prstGeom>
         </p:spPr>
       </p:pic>
+      <p:pic>
+        <p:nvPicPr>
+          <p:cNvPr id="8" name="圖片 7">
+            <a:extLst>
+              <a:ext uri="{FF2B5EF4-FFF2-40B4-BE49-F238E27FC236}">
+                <a16:creationId xmlns:a16="http://schemas.microsoft.com/office/drawing/2014/main" id="{67A9E5B2-EC9B-40D2-A484-35F2A9285E41}"/>
+              </a:ext>
+            </a:extLst>
+          </p:cNvPr>
+          <p:cNvPicPr/>
+          <p:nvPr/>
+        </p:nvPicPr>
+        <p:blipFill>
+          <a:blip r:embed="rId4"/>
+          <a:stretch>
+            <a:fillRect/>
+          </a:stretch>
+        </p:blipFill>
+        <p:spPr>
+          <a:xfrm>
+            <a:off x="5856605" y="972488"/>
+            <a:ext cx="5274310" cy="1057275"/>
+          </a:xfrm>
+          <a:prstGeom prst="rect">
+            <a:avLst/>
+          </a:prstGeom>
+        </p:spPr>
+      </p:pic>
     </p:spTree>
     <p:extLst>
       <p:ext uri="{BB962C8B-B14F-4D97-AF65-F5344CB8AC3E}">
@@ -13427,7 +13539,7 @@
         </p:blipFill>
         <p:spPr>
           <a:xfrm>
-            <a:off x="1149635" y="4162177"/>
+            <a:off x="2638801" y="4162177"/>
             <a:ext cx="4830173" cy="2450491"/>
           </a:xfrm>
           <a:prstGeom prst="rect">
@@ -13437,10 +13549,10 @@
       </p:pic>
       <p:pic>
         <p:nvPicPr>
-          <p:cNvPr id="10" name="圖片 9">
+          <p:cNvPr id="7" name="圖片 6">
             <a:extLst>
               <a:ext uri="{FF2B5EF4-FFF2-40B4-BE49-F238E27FC236}">
-                <a16:creationId xmlns:a16="http://schemas.microsoft.com/office/drawing/2014/main" id="{49F62290-9782-4832-A8D7-742FEB33341A}"/>
+                <a16:creationId xmlns:a16="http://schemas.microsoft.com/office/drawing/2014/main" id="{F1403852-535F-40A1-A677-1205FE0A57BA}"/>
               </a:ext>
             </a:extLst>
           </p:cNvPr>
@@ -13455,8 +13567,8 @@
         </p:blipFill>
         <p:spPr>
           <a:xfrm>
-            <a:off x="6095999" y="5579082"/>
-            <a:ext cx="5860869" cy="669318"/>
+            <a:off x="5785485" y="609600"/>
+            <a:ext cx="5274310" cy="455295"/>
           </a:xfrm>
           <a:prstGeom prst="rect">
             <a:avLst/>
@@ -15364,8 +15476,38 @@
         </p:blipFill>
         <p:spPr>
           <a:xfrm>
-            <a:off x="1229223" y="3086600"/>
+            <a:off x="1562080" y="4269117"/>
             <a:ext cx="7914777" cy="2547846"/>
+          </a:xfrm>
+          <a:prstGeom prst="rect">
+            <a:avLst/>
+          </a:prstGeom>
+        </p:spPr>
+      </p:pic>
+      <p:pic>
+        <p:nvPicPr>
+          <p:cNvPr id="6" name="圖片 5">
+            <a:extLst>
+              <a:ext uri="{FF2B5EF4-FFF2-40B4-BE49-F238E27FC236}">
+                <a16:creationId xmlns:a16="http://schemas.microsoft.com/office/drawing/2014/main" id="{868105D6-E60A-4EEA-9494-A8EBE14C1923}"/>
+              </a:ext>
+            </a:extLst>
+          </p:cNvPr>
+          <p:cNvPicPr>
+            <a:picLocks noChangeAspect="1"/>
+          </p:cNvPicPr>
+          <p:nvPr/>
+        </p:nvPicPr>
+        <p:blipFill>
+          <a:blip r:embed="rId4"/>
+          <a:stretch>
+            <a:fillRect/>
+          </a:stretch>
+        </p:blipFill>
+        <p:spPr>
+          <a:xfrm>
+            <a:off x="909911" y="2897447"/>
+            <a:ext cx="8769801" cy="1371670"/>
           </a:xfrm>
           <a:prstGeom prst="rect">
             <a:avLst/>
@@ -15543,7 +15685,7 @@
         </p:blipFill>
         <p:spPr>
           <a:xfrm>
-            <a:off x="7725626" y="4845916"/>
+            <a:off x="7725626" y="4837207"/>
             <a:ext cx="3789039" cy="1737764"/>
           </a:xfrm>
           <a:prstGeom prst="rect">
@@ -15648,14 +15790,16 @@
       </p:sp>
       <p:pic>
         <p:nvPicPr>
-          <p:cNvPr id="4" name="圖片 3">
+          <p:cNvPr id="5" name="圖片 4">
             <a:extLst>
               <a:ext uri="{FF2B5EF4-FFF2-40B4-BE49-F238E27FC236}">
-                <a16:creationId xmlns:a16="http://schemas.microsoft.com/office/drawing/2014/main" id="{08177EAE-3E98-4E76-8949-41A991CEE38A}"/>
+                <a16:creationId xmlns:a16="http://schemas.microsoft.com/office/drawing/2014/main" id="{7223D366-8645-492D-9B96-3984D549BAFB}"/>
               </a:ext>
             </a:extLst>
           </p:cNvPr>
-          <p:cNvPicPr/>
+          <p:cNvPicPr>
+            <a:picLocks noChangeAspect="1"/>
+          </p:cNvPicPr>
           <p:nvPr/>
         </p:nvPicPr>
         <p:blipFill>
@@ -15666,8 +15810,8 @@
         </p:blipFill>
         <p:spPr>
           <a:xfrm>
-            <a:off x="1072106" y="2600642"/>
-            <a:ext cx="5537700" cy="3364729"/>
+            <a:off x="1009435" y="2736670"/>
+            <a:ext cx="8344329" cy="3511730"/>
           </a:xfrm>
           <a:prstGeom prst="rect">
             <a:avLst/>
